--- a/slides/03-x-resources-exercise.pptx
+++ b/slides/03-x-resources-exercise.pptx
@@ -4039,25 +4039,7 @@
                 </a:solidFill>
                 <a:latin typeface="Calibri Light"/>
               </a:rPr>
-              <a:t>Resource</a:t>
-            </a:r>
-            <a:r>
-              <a:rPr lang="en-US" sz="4400" dirty="0" smtClean="0">
-                <a:solidFill>
-                  <a:srgbClr val="000000"/>
-                </a:solidFill>
-                <a:latin typeface="Calibri Light"/>
-              </a:rPr>
-              <a:t>-Layer </a:t>
-            </a:r>
-            <a:r>
-              <a:rPr lang="en-US" sz="4400" dirty="0" smtClean="0">
-                <a:solidFill>
-                  <a:srgbClr val="000000"/>
-                </a:solidFill>
-                <a:latin typeface="Calibri Light"/>
-              </a:rPr>
-              <a:t>Services</a:t>
+              <a:t>Resource-Layer Services</a:t>
             </a:r>
             <a:endParaRPr dirty="0"/>
           </a:p>
@@ -4269,15 +4251,7 @@
           <a:p>
             <a:r>
               <a:rPr lang="en-US" sz="3200" dirty="0" smtClean="0"/>
-              <a:t>Expand </a:t>
-            </a:r>
-            <a:r>
-              <a:rPr lang="en-US" sz="3200" dirty="0" smtClean="0"/>
-              <a:t>internal object model </a:t>
-            </a:r>
-            <a:r>
-              <a:rPr lang="en-US" sz="3200" dirty="0" smtClean="0"/>
-              <a:t>to support new API resources</a:t>
+              <a:t>Expand internal object model to support new API resources</a:t>
             </a:r>
             <a:r>
               <a:rPr lang="en-US" sz="3200" dirty="0"/>
@@ -4471,25 +4445,7 @@
                 </a:solidFill>
                 <a:latin typeface="Calibri Light"/>
               </a:rPr>
-              <a:t>Resource</a:t>
-            </a:r>
-            <a:r>
-              <a:rPr lang="en-US" sz="4400" dirty="0" smtClean="0">
-                <a:solidFill>
-                  <a:srgbClr val="000000"/>
-                </a:solidFill>
-                <a:latin typeface="Calibri Light"/>
-              </a:rPr>
-              <a:t>-Layer </a:t>
-            </a:r>
-            <a:r>
-              <a:rPr lang="en-US" sz="4400" dirty="0" smtClean="0">
-                <a:solidFill>
-                  <a:srgbClr val="000000"/>
-                </a:solidFill>
-                <a:latin typeface="Calibri Light"/>
-              </a:rPr>
-              <a:t>Services</a:t>
+              <a:t>Resource-Layer Services</a:t>
             </a:r>
             <a:endParaRPr dirty="0"/>
           </a:p>
@@ -4701,15 +4657,7 @@
           <a:p>
             <a:r>
               <a:rPr lang="en-US" sz="3200" dirty="0" smtClean="0"/>
-              <a:t>Expand </a:t>
-            </a:r>
-            <a:r>
-              <a:rPr lang="en-US" sz="3200" dirty="0" smtClean="0"/>
-              <a:t>internal object model </a:t>
-            </a:r>
-            <a:r>
-              <a:rPr lang="en-US" sz="3200" dirty="0" smtClean="0"/>
-              <a:t>to support new API resources</a:t>
+              <a:t>Expand internal object model to support new API resources</a:t>
             </a:r>
             <a:r>
               <a:rPr lang="en-US" sz="3200" dirty="0"/>
@@ -4940,13 +4888,13 @@
               </a:lnSpc>
             </a:pPr>
             <a:r>
-              <a:rPr lang="en-US" sz="4400" dirty="0">
+              <a:rPr lang="en-US" sz="4400" dirty="0" smtClean="0">
                 <a:solidFill>
                   <a:srgbClr val="000000"/>
                 </a:solidFill>
                 <a:latin typeface="Calibri Light"/>
               </a:rPr>
-              <a:t>Implement the </a:t>
+              <a:t>Step #1: add </a:t>
             </a:r>
             <a:r>
               <a:rPr lang="en-US" sz="4400" dirty="0" err="1" smtClean="0">
@@ -4964,7 +4912,7 @@
                 </a:solidFill>
                 <a:latin typeface="Calibri Light"/>
               </a:rPr>
-              <a:t>(Object </a:t>
+              <a:t> (</a:t>
             </a:r>
             <a:r>
               <a:rPr lang="en-US" sz="4400" dirty="0" smtClean="0">
@@ -4973,7 +4921,7 @@
                 </a:solidFill>
                 <a:latin typeface="Calibri Light"/>
               </a:rPr>
-              <a:t>Model)</a:t>
+              <a:t>Object Model)</a:t>
             </a:r>
             <a:endParaRPr dirty="0"/>
           </a:p>
@@ -5172,22 +5120,22 @@
               </a:lnSpc>
             </a:pPr>
             <a:r>
+              <a:rPr lang="en-US" sz="4400" smtClean="0">
+                <a:solidFill>
+                  <a:srgbClr val="000000"/>
+                </a:solidFill>
+                <a:latin typeface="Calibri Light"/>
+              </a:rPr>
+              <a:t>Step #2: Task.js </a:t>
+            </a:r>
+            <a:r>
               <a:rPr lang="en-US" sz="4400" dirty="0" smtClean="0">
                 <a:solidFill>
                   <a:srgbClr val="000000"/>
                 </a:solidFill>
                 <a:latin typeface="Calibri Light"/>
               </a:rPr>
-              <a:t>Task.js add call to</a:t>
-            </a:r>
-            <a:r>
-              <a:rPr lang="en-US" sz="4400" dirty="0" smtClean="0">
-                <a:solidFill>
-                  <a:srgbClr val="000000"/>
-                </a:solidFill>
-                <a:latin typeface="Calibri Light"/>
-              </a:rPr>
-              <a:t> </a:t>
+              <a:t>add call to </a:t>
             </a:r>
             <a:r>
               <a:rPr lang="en-US" sz="4400" dirty="0" err="1" smtClean="0">
